--- a/Agile Firestarter Autumn 2010 Entry Rotation.pptx
+++ b/Agile Firestarter Autumn 2010 Entry Rotation.pptx
@@ -225,19 +225,19 @@
                 <c:formatCode>0%</c:formatCode>
                 <c:ptCount val="5"/>
                 <c:pt idx="0">
-                  <c:v>0.28000000000000008</c:v>
+                  <c:v>0.26</c:v>
                 </c:pt>
                 <c:pt idx="1">
-                  <c:v>0.34000000000000025</c:v>
+                  <c:v>0.37</c:v>
                 </c:pt>
                 <c:pt idx="2">
-                  <c:v>0.23</c:v>
+                  <c:v>0.24</c:v>
                 </c:pt>
                 <c:pt idx="3">
-                  <c:v>8.0000000000000057E-2</c:v>
+                  <c:v>0.04</c:v>
                 </c:pt>
                 <c:pt idx="4">
-                  <c:v>7.0000000000000034E-2</c:v>
+                  <c:v>0.1</c:v>
                 </c:pt>
               </c:numCache>
             </c:numRef>
@@ -358,7 +358,7 @@
             <a:fld id="{CC9D1E90-0DC1-41C0-86D7-5FF0EBE9F9D3}" type="datetimeFigureOut">
               <a:rPr lang="en-US" smtClean="0"/>
               <a:pPr/>
-              <a:t>11/2/2010</a:t>
+              <a:t>11/9/2010</a:t>
             </a:fld>
             <a:endParaRPr lang="en-US"/>
           </a:p>
@@ -2567,7 +2567,7 @@
             <a:fld id="{F2BCC184-CBE3-4F29-A273-6F4E5CFA4DFC}" type="datetimeFigureOut">
               <a:rPr lang="en-US" smtClean="0"/>
               <a:pPr/>
-              <a:t>11/2/2010</a:t>
+              <a:t>11/9/2010</a:t>
             </a:fld>
             <a:endParaRPr lang="en-US"/>
           </a:p>
@@ -2712,23 +2712,7 @@
                   <a:schemeClr val="bg1"/>
                 </a:solidFill>
               </a:rPr>
-              <a:t> </a:t>
-            </a:r>
-            <a:r>
-              <a:rPr lang="en-US" i="0" baseline="0" dirty="0" smtClean="0">
-                <a:solidFill>
-                  <a:schemeClr val="bg1"/>
-                </a:solidFill>
-              </a:rPr>
-              <a:t>Autumn </a:t>
-            </a:r>
-            <a:r>
-              <a:rPr lang="en-US" i="0" baseline="0" dirty="0" smtClean="0">
-                <a:solidFill>
-                  <a:schemeClr val="bg1"/>
-                </a:solidFill>
-              </a:rPr>
-              <a:t>2010</a:t>
+              <a:t> Autumn 2010</a:t>
             </a:r>
             <a:endParaRPr lang="en-US" i="0" dirty="0">
               <a:solidFill>
@@ -3168,7 +3152,13 @@
         <p:nvGraphicFramePr>
           <p:cNvPr id="4" name="Chart 3"/>
           <p:cNvGraphicFramePr/>
-          <p:nvPr/>
+          <p:nvPr>
+            <p:extLst>
+              <p:ext uri="{D42A27DB-BD31-4B8C-83A1-F6EECF244321}">
+                <p14:modId xmlns:p14="http://schemas.microsoft.com/office/powerpoint/2010/main" val="3682478547"/>
+              </p:ext>
+            </p:extLst>
+          </p:nvPr>
         </p:nvGraphicFramePr>
         <p:xfrm>
           <a:off x="3505200" y="685800"/>

--- a/Agile Firestarter Autumn 2010 Entry Rotation.pptx
+++ b/Agile Firestarter Autumn 2010 Entry Rotation.pptx
@@ -5,19 +5,18 @@
     <p:sldMasterId id="2147483648" r:id="rId1"/>
   </p:sldMasterIdLst>
   <p:notesMasterIdLst>
-    <p:notesMasterId r:id="rId12"/>
+    <p:notesMasterId r:id="rId11"/>
   </p:notesMasterIdLst>
   <p:sldIdLst>
     <p:sldId id="279" r:id="rId2"/>
     <p:sldId id="280" r:id="rId3"/>
     <p:sldId id="285" r:id="rId4"/>
     <p:sldId id="281" r:id="rId5"/>
-    <p:sldId id="282" r:id="rId6"/>
-    <p:sldId id="284" r:id="rId7"/>
-    <p:sldId id="289" r:id="rId8"/>
-    <p:sldId id="288" r:id="rId9"/>
-    <p:sldId id="286" r:id="rId10"/>
-    <p:sldId id="287" r:id="rId11"/>
+    <p:sldId id="284" r:id="rId6"/>
+    <p:sldId id="289" r:id="rId7"/>
+    <p:sldId id="288" r:id="rId8"/>
+    <p:sldId id="286" r:id="rId9"/>
+    <p:sldId id="287" r:id="rId10"/>
   </p:sldIdLst>
   <p:sldSz cx="9144000" cy="6858000" type="screen4x3"/>
   <p:notesSz cx="6858000" cy="9144000"/>
@@ -358,7 +357,7 @@
             <a:fld id="{CC9D1E90-0DC1-41C0-86D7-5FF0EBE9F9D3}" type="datetimeFigureOut">
               <a:rPr lang="en-US" smtClean="0"/>
               <a:pPr/>
-              <a:t>11/9/2010</a:t>
+              <a:t>11/13/2010</a:t>
             </a:fld>
             <a:endParaRPr lang="en-US"/>
           </a:p>
@@ -2567,7 +2566,7 @@
             <a:fld id="{F2BCC184-CBE3-4F29-A273-6F4E5CFA4DFC}" type="datetimeFigureOut">
               <a:rPr lang="en-US" smtClean="0"/>
               <a:pPr/>
-              <a:t>11/9/2010</a:t>
+              <a:t>11/13/2010</a:t>
             </a:fld>
             <a:endParaRPr lang="en-US"/>
           </a:p>
@@ -3083,109 +3082,6 @@
 </p:sld>
 </file>
 
-<file path=ppt/slides/slide10.xml><?xml version="1.0" encoding="utf-8"?>
-<p:sld xmlns:a="http://schemas.openxmlformats.org/drawingml/2006/main" xmlns:r="http://schemas.openxmlformats.org/officeDocument/2006/relationships" xmlns:p="http://schemas.openxmlformats.org/presentationml/2006/main">
-  <p:cSld>
-    <p:spTree>
-      <p:nvGrpSpPr>
-        <p:cNvPr id="1" name=""/>
-        <p:cNvGrpSpPr/>
-        <p:nvPr/>
-      </p:nvGrpSpPr>
-      <p:grpSpPr>
-        <a:xfrm>
-          <a:off x="0" y="0"/>
-          <a:ext cx="0" cy="0"/>
-          <a:chOff x="0" y="0"/>
-          <a:chExt cx="0" cy="0"/>
-        </a:xfrm>
-      </p:grpSpPr>
-      <p:sp>
-        <p:nvSpPr>
-          <p:cNvPr id="3" name="Subtitle 2"/>
-          <p:cNvSpPr>
-            <a:spLocks noGrp="1"/>
-          </p:cNvSpPr>
-          <p:nvPr>
-            <p:ph type="subTitle" idx="1"/>
-          </p:nvPr>
-        </p:nvSpPr>
-        <p:spPr>
-          <a:xfrm>
-            <a:off x="304800" y="5334000"/>
-            <a:ext cx="8077200" cy="1219200"/>
-          </a:xfrm>
-        </p:spPr>
-        <p:txBody>
-          <a:bodyPr/>
-          <a:lstStyle/>
-          <a:p>
-            <a:pPr algn="l"/>
-            <a:r>
-              <a:rPr lang="en-US" dirty="0" smtClean="0">
-                <a:solidFill>
-                  <a:schemeClr val="bg1"/>
-                </a:solidFill>
-              </a:rPr>
-              <a:t>1 = Heard of Agile and are curious</a:t>
-            </a:r>
-          </a:p>
-          <a:p>
-            <a:pPr algn="l"/>
-            <a:r>
-              <a:rPr lang="en-US" dirty="0" smtClean="0">
-                <a:solidFill>
-                  <a:schemeClr val="bg1"/>
-                </a:solidFill>
-              </a:rPr>
-              <a:t>5 = Familiar and want to learn more</a:t>
-            </a:r>
-            <a:endParaRPr lang="en-US" sz="2800" dirty="0">
-              <a:solidFill>
-                <a:schemeClr val="bg1"/>
-              </a:solidFill>
-            </a:endParaRPr>
-          </a:p>
-        </p:txBody>
-      </p:sp>
-      <p:graphicFrame>
-        <p:nvGraphicFramePr>
-          <p:cNvPr id="4" name="Chart 3"/>
-          <p:cNvGraphicFramePr/>
-          <p:nvPr>
-            <p:extLst>
-              <p:ext uri="{D42A27DB-BD31-4B8C-83A1-F6EECF244321}">
-                <p14:modId xmlns:p14="http://schemas.microsoft.com/office/powerpoint/2010/main" val="3682478547"/>
-              </p:ext>
-            </p:extLst>
-          </p:nvPr>
-        </p:nvGraphicFramePr>
-        <p:xfrm>
-          <a:off x="3505200" y="685800"/>
-          <a:ext cx="6248400" cy="5334000"/>
-        </p:xfrm>
-        <a:graphic>
-          <a:graphicData uri="http://schemas.openxmlformats.org/drawingml/2006/chart">
-            <c:chart xmlns:c="http://schemas.openxmlformats.org/drawingml/2006/chart" xmlns:r="http://schemas.openxmlformats.org/officeDocument/2006/relationships" r:id="rId2"/>
-          </a:graphicData>
-        </a:graphic>
-      </p:graphicFrame>
-    </p:spTree>
-  </p:cSld>
-  <p:clrMapOvr>
-    <a:masterClrMapping/>
-  </p:clrMapOvr>
-  <p:transition advClick="0" advTm="15000"/>
-  <p:timing>
-    <p:tnLst>
-      <p:par>
-        <p:cTn id="1" dur="indefinite" restart="never" nodeType="tmRoot"/>
-      </p:par>
-    </p:tnLst>
-  </p:timing>
-</p:sld>
-</file>
-
 <file path=ppt/slides/slide2.xml><?xml version="1.0" encoding="utf-8"?>
 <p:sld xmlns:a="http://schemas.openxmlformats.org/drawingml/2006/main" xmlns:r="http://schemas.openxmlformats.org/officeDocument/2006/relationships" xmlns:p="http://schemas.openxmlformats.org/presentationml/2006/main">
   <p:cSld>
@@ -3514,14 +3410,14 @@
           <a:p>
             <a:r>
               <a:rPr lang="en-US" dirty="0" smtClean="0"/>
-              <a:t>Did you download the ZIP Files?</a:t>
+              <a:t>Only one laptop needed</a:t>
             </a:r>
             <a:br>
               <a:rPr lang="en-US" dirty="0" smtClean="0"/>
             </a:br>
             <a:r>
               <a:rPr lang="en-US" dirty="0" smtClean="0"/>
-              <a:t>Both of them?</a:t>
+              <a:t>per TWO attendees!</a:t>
             </a:r>
             <a:endParaRPr lang="en-US" dirty="0"/>
           </a:p>
@@ -3553,17 +3449,7 @@
                   <a:schemeClr val="bg1"/>
                 </a:solidFill>
               </a:rPr>
-              <a:t>If NOT, let an organizer know</a:t>
-            </a:r>
-          </a:p>
-          <a:p>
-            <a:r>
-              <a:rPr lang="en-US" dirty="0" smtClean="0">
-                <a:solidFill>
-                  <a:schemeClr val="bg1"/>
-                </a:solidFill>
-              </a:rPr>
-              <a:t>and we’ll get you the files!</a:t>
+              <a:t>No need to boot up more than one laptop for every TWO of you!</a:t>
             </a:r>
             <a:endParaRPr lang="en-US" sz="2800" dirty="0">
               <a:solidFill>
@@ -3623,14 +3509,7 @@
           <a:p>
             <a:r>
               <a:rPr lang="en-US" dirty="0" smtClean="0"/>
-              <a:t>Only one laptop needed</a:t>
-            </a:r>
-            <a:br>
-              <a:rPr lang="en-US" dirty="0" smtClean="0"/>
-            </a:br>
-            <a:r>
-              <a:rPr lang="en-US" dirty="0" smtClean="0"/>
-              <a:t>per TWO attendees!</a:t>
+              <a:t>Download the Files!</a:t>
             </a:r>
             <a:endParaRPr lang="en-US" dirty="0"/>
           </a:p>
@@ -3662,7 +3541,30 @@
                   <a:schemeClr val="bg1"/>
                 </a:solidFill>
               </a:rPr>
-              <a:t>No need to boot up more than one laptop for every TWO of you!</a:t>
+              <a:t>TBD</a:t>
+            </a:r>
+            <a:endParaRPr lang="en-US" dirty="0" smtClean="0">
+              <a:solidFill>
+                <a:schemeClr val="bg1"/>
+              </a:solidFill>
+            </a:endParaRPr>
+          </a:p>
+          <a:p>
+            <a:r>
+              <a:rPr lang="en-US" sz="2800" dirty="0" smtClean="0">
+                <a:solidFill>
+                  <a:schemeClr val="bg1"/>
+                </a:solidFill>
+              </a:rPr>
+              <a:t>(SSID </a:t>
+            </a:r>
+            <a:r>
+              <a:rPr lang="en-US" sz="2800" dirty="0" smtClean="0">
+                <a:solidFill>
+                  <a:schemeClr val="bg1"/>
+                </a:solidFill>
+              </a:rPr>
+              <a:t>TBD)</a:t>
             </a:r>
             <a:endParaRPr lang="en-US" sz="2800" dirty="0">
               <a:solidFill>
@@ -3722,7 +3624,7 @@
           <a:p>
             <a:r>
               <a:rPr lang="en-US" dirty="0" smtClean="0"/>
-              <a:t>Download the Files!</a:t>
+              <a:t>No laptop?</a:t>
             </a:r>
             <a:endParaRPr lang="en-US" dirty="0"/>
           </a:p>
@@ -3754,33 +3656,7 @@
                   <a:schemeClr val="bg1"/>
                 </a:solidFill>
               </a:rPr>
-              <a:t>http://192.168.1.102/AgileFirestarter/</a:t>
-            </a:r>
-          </a:p>
-          <a:p>
-            <a:r>
-              <a:rPr lang="en-US" sz="2800" dirty="0" smtClean="0">
-                <a:solidFill>
-                  <a:schemeClr val="bg1"/>
-                </a:solidFill>
-              </a:rPr>
-              <a:t>(SSID Agile </a:t>
-            </a:r>
-            <a:r>
-              <a:rPr lang="en-US" sz="2800" dirty="0" err="1" smtClean="0">
-                <a:solidFill>
-                  <a:schemeClr val="bg1"/>
-                </a:solidFill>
-              </a:rPr>
-              <a:t>Firestarter</a:t>
-            </a:r>
-            <a:r>
-              <a:rPr lang="en-US" sz="2800" dirty="0" smtClean="0">
-                <a:solidFill>
-                  <a:schemeClr val="bg1"/>
-                </a:solidFill>
-              </a:rPr>
-              <a:t>)</a:t>
+              <a:t>Sit next to someone who brought theirs!</a:t>
             </a:r>
             <a:endParaRPr lang="en-US" sz="2800" dirty="0">
               <a:solidFill>
@@ -3840,7 +3716,7 @@
           <a:p>
             <a:r>
               <a:rPr lang="en-US" dirty="0" smtClean="0"/>
-              <a:t>No laptop?</a:t>
+              <a:t>Silence your Cell Phones!</a:t>
             </a:r>
             <a:endParaRPr lang="en-US" dirty="0"/>
           </a:p>
@@ -3872,7 +3748,7 @@
                   <a:schemeClr val="bg1"/>
                 </a:solidFill>
               </a:rPr>
-              <a:t>Sit next to someone who brought theirs!</a:t>
+              <a:t>There will be periodic breaks during the day for you to phone home and check e-mail!</a:t>
             </a:r>
             <a:endParaRPr lang="en-US" sz="2800" dirty="0">
               <a:solidFill>
@@ -3917,54 +3793,43 @@
       </p:grpSpPr>
       <p:sp>
         <p:nvSpPr>
-          <p:cNvPr id="2" name="Title 1"/>
-          <p:cNvSpPr>
-            <a:spLocks noGrp="1"/>
-          </p:cNvSpPr>
-          <p:nvPr>
-            <p:ph type="ctrTitle"/>
-          </p:nvPr>
-        </p:nvSpPr>
-        <p:spPr/>
+          <p:cNvPr id="3" name="Subtitle 2"/>
+          <p:cNvSpPr>
+            <a:spLocks noGrp="1"/>
+          </p:cNvSpPr>
+          <p:nvPr>
+            <p:ph type="subTitle" idx="1"/>
+          </p:nvPr>
+        </p:nvSpPr>
+        <p:spPr>
+          <a:xfrm>
+            <a:off x="304800" y="5334000"/>
+            <a:ext cx="8077200" cy="1219200"/>
+          </a:xfrm>
+        </p:spPr>
         <p:txBody>
           <a:bodyPr/>
           <a:lstStyle/>
           <a:p>
-            <a:r>
-              <a:rPr lang="en-US" dirty="0" smtClean="0"/>
-              <a:t>Silence your Cell Phones!</a:t>
-            </a:r>
-            <a:endParaRPr lang="en-US" dirty="0"/>
-          </a:p>
-        </p:txBody>
-      </p:sp>
-      <p:sp>
-        <p:nvSpPr>
-          <p:cNvPr id="3" name="Subtitle 2"/>
-          <p:cNvSpPr>
-            <a:spLocks noGrp="1"/>
-          </p:cNvSpPr>
-          <p:nvPr>
-            <p:ph type="subTitle" idx="1"/>
-          </p:nvPr>
-        </p:nvSpPr>
-        <p:spPr>
-          <a:xfrm>
-            <a:off x="457200" y="4876800"/>
-            <a:ext cx="8077200" cy="1752600"/>
-          </a:xfrm>
-        </p:spPr>
-        <p:txBody>
-          <a:bodyPr/>
-          <a:lstStyle/>
-          <a:p>
+            <a:pPr algn="l"/>
             <a:r>
               <a:rPr lang="en-US" dirty="0" smtClean="0">
                 <a:solidFill>
                   <a:schemeClr val="bg1"/>
                 </a:solidFill>
               </a:rPr>
-              <a:t>There will be periodic breaks during the day for you to phone home and check e-mail!</a:t>
+              <a:t>1 = Heard of Agile and are curious</a:t>
+            </a:r>
+          </a:p>
+          <a:p>
+            <a:pPr algn="l"/>
+            <a:r>
+              <a:rPr lang="en-US" dirty="0" smtClean="0">
+                <a:solidFill>
+                  <a:schemeClr val="bg1"/>
+                </a:solidFill>
+              </a:rPr>
+              <a:t>5 = Familiar and want to learn more</a:t>
             </a:r>
             <a:endParaRPr lang="en-US" sz="2800" dirty="0">
               <a:solidFill>
@@ -3974,6 +3839,28 @@
           </a:p>
         </p:txBody>
       </p:sp>
+      <p:graphicFrame>
+        <p:nvGraphicFramePr>
+          <p:cNvPr id="4" name="Chart 3"/>
+          <p:cNvGraphicFramePr/>
+          <p:nvPr>
+            <p:extLst>
+              <p:ext uri="{D42A27DB-BD31-4B8C-83A1-F6EECF244321}">
+                <p14:modId xmlns:p14="http://schemas.microsoft.com/office/powerpoint/2010/main" val="3682478547"/>
+              </p:ext>
+            </p:extLst>
+          </p:nvPr>
+        </p:nvGraphicFramePr>
+        <p:xfrm>
+          <a:off x="3505200" y="685800"/>
+          <a:ext cx="6248400" cy="5334000"/>
+        </p:xfrm>
+        <a:graphic>
+          <a:graphicData uri="http://schemas.openxmlformats.org/drawingml/2006/chart">
+            <c:chart xmlns:c="http://schemas.openxmlformats.org/drawingml/2006/chart" xmlns:r="http://schemas.openxmlformats.org/officeDocument/2006/relationships" r:id="rId2"/>
+          </a:graphicData>
+        </a:graphic>
+      </p:graphicFrame>
     </p:spTree>
   </p:cSld>
   <p:clrMapOvr>
